--- a/FFPM/FFPM 417.pptx
+++ b/FFPM/FFPM 417.pptx
@@ -109,6 +109,22 @@
       </a:defRPr>
     </a:lvl9pPr>
   </p:defaultTextStyle>
+  <p:extLst>
+    <p:ext uri="{EFAFB233-063F-42B5-8137-9DF3F51BA10A}">
+      <p15:sldGuideLst xmlns:p15="http://schemas.microsoft.com/office/powerpoint/2012/main">
+        <p15:guide id="1" orient="horz" pos="1620">
+          <p15:clr>
+            <a:srgbClr val="A4A3A4"/>
+          </p15:clr>
+        </p15:guide>
+        <p15:guide id="2" pos="2880">
+          <p15:clr>
+            <a:srgbClr val="A4A3A4"/>
+          </p15:clr>
+        </p15:guide>
+      </p15:sldGuideLst>
+    </p:ext>
+  </p:extLst>
 </p:presentation>
 </file>
 
@@ -294,7 +310,7 @@
             <a:fld id="{1D1E8177-1540-4A2F-B5CC-41FF4ECB6E20}" type="datetimeFigureOut">
               <a:rPr lang="fr-FR" smtClean="0"/>
               <a:pPr/>
-              <a:t>27/10/2014</a:t>
+              <a:t>11/01/2026</a:t>
             </a:fld>
             <a:endParaRPr lang="fr-FR"/>
           </a:p>
@@ -461,7 +477,7 @@
             <a:fld id="{1D1E8177-1540-4A2F-B5CC-41FF4ECB6E20}" type="datetimeFigureOut">
               <a:rPr lang="fr-FR" smtClean="0"/>
               <a:pPr/>
-              <a:t>27/10/2014</a:t>
+              <a:t>11/01/2026</a:t>
             </a:fld>
             <a:endParaRPr lang="fr-FR"/>
           </a:p>
@@ -638,7 +654,7 @@
             <a:fld id="{1D1E8177-1540-4A2F-B5CC-41FF4ECB6E20}" type="datetimeFigureOut">
               <a:rPr lang="fr-FR" smtClean="0"/>
               <a:pPr/>
-              <a:t>27/10/2014</a:t>
+              <a:t>11/01/2026</a:t>
             </a:fld>
             <a:endParaRPr lang="fr-FR"/>
           </a:p>
@@ -805,7 +821,7 @@
             <a:fld id="{1D1E8177-1540-4A2F-B5CC-41FF4ECB6E20}" type="datetimeFigureOut">
               <a:rPr lang="fr-FR" smtClean="0"/>
               <a:pPr/>
-              <a:t>27/10/2014</a:t>
+              <a:t>11/01/2026</a:t>
             </a:fld>
             <a:endParaRPr lang="fr-FR"/>
           </a:p>
@@ -1048,7 +1064,7 @@
             <a:fld id="{1D1E8177-1540-4A2F-B5CC-41FF4ECB6E20}" type="datetimeFigureOut">
               <a:rPr lang="fr-FR" smtClean="0"/>
               <a:pPr/>
-              <a:t>27/10/2014</a:t>
+              <a:t>11/01/2026</a:t>
             </a:fld>
             <a:endParaRPr lang="fr-FR"/>
           </a:p>
@@ -1333,7 +1349,7 @@
             <a:fld id="{1D1E8177-1540-4A2F-B5CC-41FF4ECB6E20}" type="datetimeFigureOut">
               <a:rPr lang="fr-FR" smtClean="0"/>
               <a:pPr/>
-              <a:t>27/10/2014</a:t>
+              <a:t>11/01/2026</a:t>
             </a:fld>
             <a:endParaRPr lang="fr-FR"/>
           </a:p>
@@ -1752,7 +1768,7 @@
             <a:fld id="{1D1E8177-1540-4A2F-B5CC-41FF4ECB6E20}" type="datetimeFigureOut">
               <a:rPr lang="fr-FR" smtClean="0"/>
               <a:pPr/>
-              <a:t>27/10/2014</a:t>
+              <a:t>11/01/2026</a:t>
             </a:fld>
             <a:endParaRPr lang="fr-FR"/>
           </a:p>
@@ -1867,7 +1883,7 @@
             <a:fld id="{1D1E8177-1540-4A2F-B5CC-41FF4ECB6E20}" type="datetimeFigureOut">
               <a:rPr lang="fr-FR" smtClean="0"/>
               <a:pPr/>
-              <a:t>27/10/2014</a:t>
+              <a:t>11/01/2026</a:t>
             </a:fld>
             <a:endParaRPr lang="fr-FR"/>
           </a:p>
@@ -1959,7 +1975,7 @@
             <a:fld id="{1D1E8177-1540-4A2F-B5CC-41FF4ECB6E20}" type="datetimeFigureOut">
               <a:rPr lang="fr-FR" smtClean="0"/>
               <a:pPr/>
-              <a:t>27/10/2014</a:t>
+              <a:t>11/01/2026</a:t>
             </a:fld>
             <a:endParaRPr lang="fr-FR"/>
           </a:p>
@@ -2233,7 +2249,7 @@
             <a:fld id="{1D1E8177-1540-4A2F-B5CC-41FF4ECB6E20}" type="datetimeFigureOut">
               <a:rPr lang="fr-FR" smtClean="0"/>
               <a:pPr/>
-              <a:t>27/10/2014</a:t>
+              <a:t>11/01/2026</a:t>
             </a:fld>
             <a:endParaRPr lang="fr-FR"/>
           </a:p>
@@ -2483,7 +2499,7 @@
             <a:fld id="{1D1E8177-1540-4A2F-B5CC-41FF4ECB6E20}" type="datetimeFigureOut">
               <a:rPr lang="fr-FR" smtClean="0"/>
               <a:pPr/>
-              <a:t>27/10/2014</a:t>
+              <a:t>11/01/2026</a:t>
             </a:fld>
             <a:endParaRPr lang="fr-FR"/>
           </a:p>
@@ -2693,7 +2709,7 @@
             <a:fld id="{1D1E8177-1540-4A2F-B5CC-41FF4ECB6E20}" type="datetimeFigureOut">
               <a:rPr lang="fr-FR" smtClean="0"/>
               <a:pPr/>
-              <a:t>27/10/2014</a:t>
+              <a:t>11/01/2026</a:t>
             </a:fld>
             <a:endParaRPr lang="fr-FR"/>
           </a:p>
@@ -3487,6 +3503,13 @@
   <p:clrMapOvr>
     <a:masterClrMapping/>
   </p:clrMapOvr>
+  <p:timing>
+    <p:tnLst>
+      <p:par>
+        <p:cTn id="1" dur="indefinite" restart="never" nodeType="tmRoot"/>
+      </p:par>
+    </p:tnLst>
+  </p:timing>
 </p:sld>
 </file>
 
@@ -3801,6 +3824,13 @@
   <p:clrMapOvr>
     <a:masterClrMapping/>
   </p:clrMapOvr>
+  <p:timing>
+    <p:tnLst>
+      <p:par>
+        <p:cTn id="1" dur="indefinite" restart="never" nodeType="tmRoot"/>
+      </p:par>
+    </p:tnLst>
+  </p:timing>
 </p:sld>
 </file>
 
@@ -4103,6 +4133,13 @@
   <p:clrMapOvr>
     <a:masterClrMapping/>
   </p:clrMapOvr>
+  <p:timing>
+    <p:tnLst>
+      <p:par>
+        <p:cTn id="1" dur="indefinite" restart="never" nodeType="tmRoot"/>
+      </p:par>
+    </p:tnLst>
+  </p:timing>
 </p:sld>
 </file>
 
@@ -4413,6 +4450,13 @@
   <p:clrMapOvr>
     <a:masterClrMapping/>
   </p:clrMapOvr>
+  <p:timing>
+    <p:tnLst>
+      <p:par>
+        <p:cTn id="1" dur="indefinite" restart="never" nodeType="tmRoot"/>
+      </p:par>
+    </p:tnLst>
+  </p:timing>
 </p:sld>
 </file>
 
@@ -4456,6 +4500,10 @@
           <a:lstStyle/>
           <a:p>
             <a:r>
+              <a:rPr lang="en-GB" sz="4800" b="1" dirty="0" smtClean="0"/>
+              <a:t>5 </a:t>
+            </a:r>
+            <a:r>
               <a:rPr lang="en-GB" sz="4800" b="1" dirty="0" err="1" smtClean="0"/>
               <a:t>Tsy</a:t>
             </a:r>
@@ -4711,6 +4759,13 @@
   <p:clrMapOvr>
     <a:masterClrMapping/>
   </p:clrMapOvr>
+  <p:timing>
+    <p:tnLst>
+      <p:par>
+        <p:cTn id="1" dur="indefinite" restart="never" nodeType="tmRoot"/>
+      </p:par>
+    </p:tnLst>
+  </p:timing>
 </p:sld>
 </file>
 
